--- a/修論/発表スライド/審査会スライド0105.pptx
+++ b/修論/発表スライド/審査会スライド0105.pptx
@@ -13,9 +13,9 @@
   <p:sldIdLst>
     <p:sldId id="256" r:id="rId2"/>
     <p:sldId id="257" r:id="rId3"/>
-    <p:sldId id="261" r:id="rId4"/>
-    <p:sldId id="259" r:id="rId5"/>
-    <p:sldId id="258" r:id="rId6"/>
+    <p:sldId id="258" r:id="rId4"/>
+    <p:sldId id="261" r:id="rId5"/>
+    <p:sldId id="259" r:id="rId6"/>
   </p:sldIdLst>
   <p:sldSz cx="9144000" cy="6858000" type="screen4x3"/>
   <p:notesSz cx="6858000" cy="9144000"/>
@@ -118,6 +118,9 @@
     <p:ext uri="{EFAFB233-063F-42B5-8137-9DF3F51BA10A}">
       <p15:sldGuideLst xmlns:p15="http://schemas.microsoft.com/office/powerpoint/2012/main"/>
     </p:ext>
+    <p:ext uri="{2D200454-40CA-4A62-9FC3-DE9A4176ACB9}">
+      <p15:notesGuideLst xmlns:p15="http://schemas.microsoft.com/office/powerpoint/2012/main"/>
+    </p:ext>
   </p:extLst>
 </p:presentation>
 </file>
@@ -690,6 +693,101 @@
     </a:lvl9pPr>
   </p:notesStyle>
 </p:notesMaster>
+</file>
+
+<file path=ppt/notesSlides/notesSlide1.xml><?xml version="1.0" encoding="utf-8"?>
+<p:notes xmlns:a="http://schemas.openxmlformats.org/drawingml/2006/main" xmlns:r="http://schemas.openxmlformats.org/officeDocument/2006/relationships" xmlns:p="http://schemas.openxmlformats.org/presentationml/2006/main">
+  <p:cSld>
+    <p:spTree>
+      <p:nvGrpSpPr>
+        <p:cNvPr id="1" name=""/>
+        <p:cNvGrpSpPr/>
+        <p:nvPr/>
+      </p:nvGrpSpPr>
+      <p:grpSpPr>
+        <a:xfrm>
+          <a:off x="0" y="0"/>
+          <a:ext cx="0" cy="0"/>
+          <a:chOff x="0" y="0"/>
+          <a:chExt cx="0" cy="0"/>
+        </a:xfrm>
+      </p:grpSpPr>
+      <p:sp>
+        <p:nvSpPr>
+          <p:cNvPr id="2" name="スライド イメージ プレースホルダー 1"/>
+          <p:cNvSpPr>
+            <a:spLocks noGrp="1" noRot="1" noChangeAspect="1"/>
+          </p:cNvSpPr>
+          <p:nvPr>
+            <p:ph type="sldImg"/>
+          </p:nvPr>
+        </p:nvSpPr>
+        <p:spPr/>
+      </p:sp>
+      <p:sp>
+        <p:nvSpPr>
+          <p:cNvPr id="3" name="ノート プレースホルダー 2"/>
+          <p:cNvSpPr>
+            <a:spLocks noGrp="1"/>
+          </p:cNvSpPr>
+          <p:nvPr>
+            <p:ph type="body" idx="1"/>
+          </p:nvPr>
+        </p:nvSpPr>
+        <p:spPr/>
+        <p:txBody>
+          <a:bodyPr/>
+          <a:lstStyle/>
+          <a:p>
+            <a:r>
+              <a:rPr kumimoji="1" lang="ja-JP" altLang="en-US" dirty="0"/>
+              <a:t>半導体の内部のキャリア密度と光子密度の時間変化をレート方程式で説明される。</a:t>
+            </a:r>
+            <a:endParaRPr kumimoji="1" lang="en-US" altLang="ja-JP" dirty="0"/>
+          </a:p>
+          <a:p>
+            <a:r>
+              <a:rPr kumimoji="1" lang="ja-JP" altLang="en-US" dirty="0"/>
+              <a:t>レート法方程式で</a:t>
+            </a:r>
+            <a:endParaRPr kumimoji="1" lang="en-US" altLang="ja-JP" dirty="0"/>
+          </a:p>
+        </p:txBody>
+      </p:sp>
+      <p:sp>
+        <p:nvSpPr>
+          <p:cNvPr id="4" name="スライド番号プレースホルダー 3"/>
+          <p:cNvSpPr>
+            <a:spLocks noGrp="1"/>
+          </p:cNvSpPr>
+          <p:nvPr>
+            <p:ph type="sldNum" sz="quarter" idx="5"/>
+          </p:nvPr>
+        </p:nvSpPr>
+        <p:spPr/>
+        <p:txBody>
+          <a:bodyPr/>
+          <a:lstStyle/>
+          <a:p>
+            <a:fld id="{7450FA9C-ACB4-4619-9CE3-0D6408AD346E}" type="slidenum">
+              <a:rPr kumimoji="1" lang="ja-JP" altLang="en-US" smtClean="0"/>
+              <a:t>2</a:t>
+            </a:fld>
+            <a:endParaRPr kumimoji="1" lang="ja-JP" altLang="en-US"/>
+          </a:p>
+        </p:txBody>
+      </p:sp>
+    </p:spTree>
+    <p:extLst>
+      <p:ext uri="{BB962C8B-B14F-4D97-AF65-F5344CB8AC3E}">
+        <p14:creationId xmlns:p14="http://schemas.microsoft.com/office/powerpoint/2010/main" val="1826294545"/>
+      </p:ext>
+    </p:extLst>
+  </p:cSld>
+  <p:clrMapOvr>
+    <a:masterClrMapping/>
+  </p:clrMapOvr>
+</p:notes>
 </file>
 
 <file path=ppt/slideLayouts/slideLayout1.xml><?xml version="1.0" encoding="utf-8"?>
@@ -4153,8 +4251,8 @@
           <a:lstStyle/>
           <a:p>
             <a:r>
-              <a:rPr kumimoji="1" lang="ja-JP" altLang="en-US" dirty="0"/>
-              <a:t>序論</a:t>
+              <a:rPr lang="ja-JP" altLang="en-US" dirty="0"/>
+              <a:t>背景</a:t>
             </a:r>
             <a:endParaRPr kumimoji="1" lang="en-US" altLang="ja-JP" dirty="0"/>
           </a:p>
@@ -4242,10 +4340,275 @@
       </p:grpSpPr>
       <p:sp>
         <p:nvSpPr>
-          <p:cNvPr id="2" name="タイトル 1">
+          <p:cNvPr id="4" name="スライド番号プレースホルダー 3">
             <a:extLst>
               <a:ext uri="{FF2B5EF4-FFF2-40B4-BE49-F238E27FC236}">
-                <a16:creationId xmlns:a16="http://schemas.microsoft.com/office/drawing/2014/main" id="{28C1E370-763C-4A41-9D7C-EA9730636526}"/>
+                <a16:creationId xmlns:a16="http://schemas.microsoft.com/office/drawing/2014/main" id="{E5EC78F7-2C69-41A2-8A35-659D6D350BF5}"/>
+              </a:ext>
+            </a:extLst>
+          </p:cNvPr>
+          <p:cNvSpPr>
+            <a:spLocks noGrp="1"/>
+          </p:cNvSpPr>
+          <p:nvPr>
+            <p:ph type="sldNum" sz="quarter" idx="12"/>
+          </p:nvPr>
+        </p:nvSpPr>
+        <p:spPr/>
+        <p:txBody>
+          <a:bodyPr/>
+          <a:lstStyle/>
+          <a:p>
+            <a:fld id="{B1CF0B90-4240-4ABE-BCFA-150BA8095602}" type="slidenum">
+              <a:rPr kumimoji="1" lang="ja-JP" altLang="en-US" smtClean="0"/>
+              <a:t>2</a:t>
+            </a:fld>
+            <a:endParaRPr kumimoji="1" lang="ja-JP" altLang="en-US"/>
+          </a:p>
+        </p:txBody>
+      </p:sp>
+      <p:sp>
+        <p:nvSpPr>
+          <p:cNvPr id="6" name="スライド番号プレースホルダー 3">
+            <a:extLst>
+              <a:ext uri="{FF2B5EF4-FFF2-40B4-BE49-F238E27FC236}">
+                <a16:creationId xmlns:a16="http://schemas.microsoft.com/office/drawing/2014/main" id="{B3CD7D51-5981-4CBC-B8E8-F769598CD67C}"/>
+              </a:ext>
+            </a:extLst>
+          </p:cNvPr>
+          <p:cNvSpPr txBox="1">
+            <a:spLocks/>
+          </p:cNvSpPr>
+          <p:nvPr/>
+        </p:nvSpPr>
+        <p:spPr>
+          <a:xfrm>
+            <a:off x="6457950" y="6356351"/>
+            <a:ext cx="2057400" cy="365125"/>
+          </a:xfrm>
+          <a:prstGeom prst="rect">
+            <a:avLst/>
+          </a:prstGeom>
+        </p:spPr>
+        <p:txBody>
+          <a:bodyPr vert="horz" lIns="91440" tIns="45720" rIns="91440" bIns="45720" rtlCol="0" anchor="ctr"/>
+          <a:lstStyle>
+            <a:defPPr>
+              <a:defRPr lang="ja-JP"/>
+            </a:defPPr>
+            <a:lvl1pPr marL="0" algn="r" defTabSz="914400" rtl="0" eaLnBrk="1" latinLnBrk="0" hangingPunct="1">
+              <a:defRPr kumimoji="1" sz="1800" kern="1200">
+                <a:solidFill>
+                  <a:schemeClr val="tx1">
+                    <a:tint val="75000"/>
+                  </a:schemeClr>
+                </a:solidFill>
+                <a:latin typeface="+mn-lt"/>
+                <a:ea typeface="+mn-ea"/>
+                <a:cs typeface="+mn-cs"/>
+              </a:defRPr>
+            </a:lvl1pPr>
+            <a:lvl2pPr marL="457200" algn="l" defTabSz="914400" rtl="0" eaLnBrk="1" latinLnBrk="0" hangingPunct="1">
+              <a:defRPr kumimoji="1" sz="1800" kern="1200">
+                <a:solidFill>
+                  <a:schemeClr val="tx1"/>
+                </a:solidFill>
+                <a:latin typeface="+mn-lt"/>
+                <a:ea typeface="+mn-ea"/>
+                <a:cs typeface="+mn-cs"/>
+              </a:defRPr>
+            </a:lvl2pPr>
+            <a:lvl3pPr marL="914400" algn="l" defTabSz="914400" rtl="0" eaLnBrk="1" latinLnBrk="0" hangingPunct="1">
+              <a:defRPr kumimoji="1" sz="1800" kern="1200">
+                <a:solidFill>
+                  <a:schemeClr val="tx1"/>
+                </a:solidFill>
+                <a:latin typeface="+mn-lt"/>
+                <a:ea typeface="+mn-ea"/>
+                <a:cs typeface="+mn-cs"/>
+              </a:defRPr>
+            </a:lvl3pPr>
+            <a:lvl4pPr marL="1371600" algn="l" defTabSz="914400" rtl="0" eaLnBrk="1" latinLnBrk="0" hangingPunct="1">
+              <a:defRPr kumimoji="1" sz="1800" kern="1200">
+                <a:solidFill>
+                  <a:schemeClr val="tx1"/>
+                </a:solidFill>
+                <a:latin typeface="+mn-lt"/>
+                <a:ea typeface="+mn-ea"/>
+                <a:cs typeface="+mn-cs"/>
+              </a:defRPr>
+            </a:lvl4pPr>
+            <a:lvl5pPr marL="1828800" algn="l" defTabSz="914400" rtl="0" eaLnBrk="1" latinLnBrk="0" hangingPunct="1">
+              <a:defRPr kumimoji="1" sz="1800" kern="1200">
+                <a:solidFill>
+                  <a:schemeClr val="tx1"/>
+                </a:solidFill>
+                <a:latin typeface="+mn-lt"/>
+                <a:ea typeface="+mn-ea"/>
+                <a:cs typeface="+mn-cs"/>
+              </a:defRPr>
+            </a:lvl5pPr>
+            <a:lvl6pPr marL="2286000" algn="l" defTabSz="914400" rtl="0" eaLnBrk="1" latinLnBrk="0" hangingPunct="1">
+              <a:defRPr kumimoji="1" sz="1800" kern="1200">
+                <a:solidFill>
+                  <a:schemeClr val="tx1"/>
+                </a:solidFill>
+                <a:latin typeface="+mn-lt"/>
+                <a:ea typeface="+mn-ea"/>
+                <a:cs typeface="+mn-cs"/>
+              </a:defRPr>
+            </a:lvl6pPr>
+            <a:lvl7pPr marL="2743200" algn="l" defTabSz="914400" rtl="0" eaLnBrk="1" latinLnBrk="0" hangingPunct="1">
+              <a:defRPr kumimoji="1" sz="1800" kern="1200">
+                <a:solidFill>
+                  <a:schemeClr val="tx1"/>
+                </a:solidFill>
+                <a:latin typeface="+mn-lt"/>
+                <a:ea typeface="+mn-ea"/>
+                <a:cs typeface="+mn-cs"/>
+              </a:defRPr>
+            </a:lvl7pPr>
+            <a:lvl8pPr marL="3200400" algn="l" defTabSz="914400" rtl="0" eaLnBrk="1" latinLnBrk="0" hangingPunct="1">
+              <a:defRPr kumimoji="1" sz="1800" kern="1200">
+                <a:solidFill>
+                  <a:schemeClr val="tx1"/>
+                </a:solidFill>
+                <a:latin typeface="+mn-lt"/>
+                <a:ea typeface="+mn-ea"/>
+                <a:cs typeface="+mn-cs"/>
+              </a:defRPr>
+            </a:lvl8pPr>
+            <a:lvl9pPr marL="3657600" algn="l" defTabSz="914400" rtl="0" eaLnBrk="1" latinLnBrk="0" hangingPunct="1">
+              <a:defRPr kumimoji="1" sz="1800" kern="1200">
+                <a:solidFill>
+                  <a:schemeClr val="tx1"/>
+                </a:solidFill>
+                <a:latin typeface="+mn-lt"/>
+                <a:ea typeface="+mn-ea"/>
+                <a:cs typeface="+mn-cs"/>
+              </a:defRPr>
+            </a:lvl9pPr>
+          </a:lstStyle>
+          <a:p>
+            <a:fld id="{B1CF0B90-4240-4ABE-BCFA-150BA8095602}" type="slidenum">
+              <a:rPr lang="ja-JP" altLang="en-US" smtClean="0"/>
+              <a:pPr/>
+              <a:t>2</a:t>
+            </a:fld>
+            <a:endParaRPr lang="ja-JP" altLang="en-US"/>
+          </a:p>
+        </p:txBody>
+      </p:sp>
+      <p:pic>
+        <p:nvPicPr>
+          <p:cNvPr id="7" name="図 6">
+            <a:extLst>
+              <a:ext uri="{FF2B5EF4-FFF2-40B4-BE49-F238E27FC236}">
+                <a16:creationId xmlns:a16="http://schemas.microsoft.com/office/drawing/2014/main" id="{6DF608F1-870D-49E1-A6AD-1DF655883F33}"/>
+              </a:ext>
+            </a:extLst>
+          </p:cNvPr>
+          <p:cNvPicPr>
+            <a:picLocks noChangeAspect="1"/>
+          </p:cNvPicPr>
+          <p:nvPr/>
+        </p:nvPicPr>
+        <p:blipFill rotWithShape="1">
+          <a:blip r:embed="rId3"/>
+          <a:srcRect l="26909" t="42485" r="23909" b="39899"/>
+          <a:stretch/>
+        </p:blipFill>
+        <p:spPr>
+          <a:xfrm>
+            <a:off x="1219606" y="1931487"/>
+            <a:ext cx="7550323" cy="1521229"/>
+          </a:xfrm>
+          <a:prstGeom prst="rect">
+            <a:avLst/>
+          </a:prstGeom>
+        </p:spPr>
+      </p:pic>
+      <p:sp>
+        <p:nvSpPr>
+          <p:cNvPr id="8" name="テキスト ボックス 7">
+            <a:extLst>
+              <a:ext uri="{FF2B5EF4-FFF2-40B4-BE49-F238E27FC236}">
+                <a16:creationId xmlns:a16="http://schemas.microsoft.com/office/drawing/2014/main" id="{1099F95F-8833-4AE7-BD19-FF7FB9802930}"/>
+              </a:ext>
+            </a:extLst>
+          </p:cNvPr>
+          <p:cNvSpPr txBox="1"/>
+          <p:nvPr/>
+        </p:nvSpPr>
+        <p:spPr>
+          <a:xfrm>
+            <a:off x="-24937" y="1690689"/>
+            <a:ext cx="2510443" cy="369332"/>
+          </a:xfrm>
+          <a:prstGeom prst="rect">
+            <a:avLst/>
+          </a:prstGeom>
+          <a:noFill/>
+        </p:spPr>
+        <p:txBody>
+          <a:bodyPr wrap="square" rtlCol="0">
+            <a:spAutoFit/>
+          </a:bodyPr>
+          <a:lstStyle/>
+          <a:p>
+            <a:r>
+              <a:rPr lang="en-US" altLang="ja-JP" dirty="0"/>
+              <a:t>2</a:t>
+            </a:r>
+            <a:r>
+              <a:rPr lang="ja-JP" altLang="en-US" dirty="0"/>
+              <a:t>準位系レート方程式</a:t>
+            </a:r>
+            <a:endParaRPr lang="en-US" altLang="ja-JP" dirty="0"/>
+          </a:p>
+        </p:txBody>
+      </p:sp>
+      <p:pic>
+        <p:nvPicPr>
+          <p:cNvPr id="9" name="図 8">
+            <a:extLst>
+              <a:ext uri="{FF2B5EF4-FFF2-40B4-BE49-F238E27FC236}">
+                <a16:creationId xmlns:a16="http://schemas.microsoft.com/office/drawing/2014/main" id="{98321541-E47D-47AF-8AA4-B5543C707FDE}"/>
+              </a:ext>
+            </a:extLst>
+          </p:cNvPr>
+          <p:cNvPicPr>
+            <a:picLocks noChangeAspect="1"/>
+          </p:cNvPicPr>
+          <p:nvPr/>
+        </p:nvPicPr>
+        <p:blipFill rotWithShape="1">
+          <a:blip r:embed="rId4">
+            <a:extLst>
+              <a:ext uri="{28A0092B-C50C-407E-A947-70E740481C1C}">
+                <a14:useLocalDpi xmlns:a14="http://schemas.microsoft.com/office/drawing/2010/main" val="0"/>
+              </a:ext>
+            </a:extLst>
+          </a:blip>
+          <a:srcRect r="48162"/>
+          <a:stretch/>
+        </p:blipFill>
+        <p:spPr>
+          <a:xfrm>
+            <a:off x="80760" y="3324182"/>
+            <a:ext cx="3342445" cy="3136988"/>
+          </a:xfrm>
+          <a:prstGeom prst="rect">
+            <a:avLst/>
+          </a:prstGeom>
+        </p:spPr>
+      </p:pic>
+      <p:sp>
+        <p:nvSpPr>
+          <p:cNvPr id="17" name="タイトル 1">
+            <a:extLst>
+              <a:ext uri="{FF2B5EF4-FFF2-40B4-BE49-F238E27FC236}">
+                <a16:creationId xmlns:a16="http://schemas.microsoft.com/office/drawing/2014/main" id="{3BA5D1A7-A34C-4D9E-972C-8B89885CDA5A}"/>
               </a:ext>
             </a:extLst>
           </p:cNvPr>
@@ -4268,7 +4631,7 @@
           <a:p>
             <a:r>
               <a:rPr lang="ja-JP" altLang="en-US" dirty="0"/>
-              <a:t>背景</a:t>
+              <a:t>背景　利得スイッチング</a:t>
             </a:r>
             <a:endParaRPr kumimoji="1" lang="ja-JP" altLang="en-US" dirty="0"/>
           </a:p>
@@ -4276,54 +4639,115 @@
       </p:sp>
       <p:sp>
         <p:nvSpPr>
-          <p:cNvPr id="3" name="コンテンツ プレースホルダー 2">
+          <p:cNvPr id="20" name="テキスト ボックス 19">
             <a:extLst>
               <a:ext uri="{FF2B5EF4-FFF2-40B4-BE49-F238E27FC236}">
-                <a16:creationId xmlns:a16="http://schemas.microsoft.com/office/drawing/2014/main" id="{7029E47F-E8DF-4905-9054-A44A95681F24}"/>
+                <a16:creationId xmlns:a16="http://schemas.microsoft.com/office/drawing/2014/main" id="{EABBC834-501C-4CCC-A35B-EE5A1C67085D}"/>
               </a:ext>
             </a:extLst>
           </p:cNvPr>
-          <p:cNvSpPr>
-            <a:spLocks noGrp="1"/>
-          </p:cNvSpPr>
-          <p:nvPr>
-            <p:ph idx="1"/>
-          </p:nvPr>
-        </p:nvSpPr>
-        <p:spPr/>
-        <p:txBody>
-          <a:bodyPr/>
-          <a:lstStyle/>
-          <a:p>
-            <a:endParaRPr kumimoji="1" lang="ja-JP" altLang="en-US"/>
-          </a:p>
-        </p:txBody>
-      </p:sp>
-      <p:sp>
-        <p:nvSpPr>
-          <p:cNvPr id="4" name="スライド番号プレースホルダー 3">
+          <p:cNvSpPr txBox="1"/>
+          <p:nvPr/>
+        </p:nvSpPr>
+        <p:spPr>
+          <a:xfrm>
+            <a:off x="382385" y="2233148"/>
+            <a:ext cx="1695797" cy="307777"/>
+          </a:xfrm>
+          <a:prstGeom prst="rect">
+            <a:avLst/>
+          </a:prstGeom>
+          <a:noFill/>
+        </p:spPr>
+        <p:txBody>
+          <a:bodyPr wrap="square" rtlCol="0">
+            <a:spAutoFit/>
+          </a:bodyPr>
+          <a:lstStyle/>
+          <a:p>
+            <a:r>
+              <a:rPr kumimoji="1" lang="ja-JP" altLang="en-US" sz="1400" dirty="0"/>
+              <a:t>キャリア密度</a:t>
+            </a:r>
+          </a:p>
+        </p:txBody>
+      </p:sp>
+      <p:sp>
+        <p:nvSpPr>
+          <p:cNvPr id="21" name="テキスト ボックス 20">
             <a:extLst>
               <a:ext uri="{FF2B5EF4-FFF2-40B4-BE49-F238E27FC236}">
-                <a16:creationId xmlns:a16="http://schemas.microsoft.com/office/drawing/2014/main" id="{958E16F8-6D0B-42E5-8FBD-14EFE0136BB3}"/>
+                <a16:creationId xmlns:a16="http://schemas.microsoft.com/office/drawing/2014/main" id="{725CA4C1-FF0B-4BE0-A404-FA8497FEB11C}"/>
               </a:ext>
             </a:extLst>
           </p:cNvPr>
-          <p:cNvSpPr>
-            <a:spLocks noGrp="1"/>
-          </p:cNvSpPr>
-          <p:nvPr>
-            <p:ph type="sldNum" sz="quarter" idx="12"/>
-          </p:nvPr>
-        </p:nvSpPr>
-        <p:spPr/>
-        <p:txBody>
-          <a:bodyPr/>
-          <a:lstStyle/>
-          <a:p>
-            <a:fld id="{B1CF0B90-4240-4ABE-BCFA-150BA8095602}" type="slidenum">
-              <a:rPr kumimoji="1" lang="ja-JP" altLang="en-US" smtClean="0"/>
-              <a:t>2</a:t>
-            </a:fld>
+          <p:cNvSpPr txBox="1"/>
+          <p:nvPr/>
+        </p:nvSpPr>
+        <p:spPr>
+          <a:xfrm>
+            <a:off x="388331" y="2843278"/>
+            <a:ext cx="1695797" cy="307777"/>
+          </a:xfrm>
+          <a:prstGeom prst="rect">
+            <a:avLst/>
+          </a:prstGeom>
+          <a:noFill/>
+        </p:spPr>
+        <p:txBody>
+          <a:bodyPr wrap="square" rtlCol="0">
+            <a:spAutoFit/>
+          </a:bodyPr>
+          <a:lstStyle/>
+          <a:p>
+            <a:r>
+              <a:rPr kumimoji="1" lang="ja-JP" altLang="en-US" sz="1400" dirty="0"/>
+              <a:t>光子密度</a:t>
+            </a:r>
+          </a:p>
+        </p:txBody>
+      </p:sp>
+      <p:sp>
+        <p:nvSpPr>
+          <p:cNvPr id="24" name="左中かっこ 23">
+            <a:extLst>
+              <a:ext uri="{FF2B5EF4-FFF2-40B4-BE49-F238E27FC236}">
+                <a16:creationId xmlns:a16="http://schemas.microsoft.com/office/drawing/2014/main" id="{1FD7233A-4773-45EB-B574-8EB61A8EF98E}"/>
+              </a:ext>
+            </a:extLst>
+          </p:cNvPr>
+          <p:cNvSpPr/>
+          <p:nvPr/>
+        </p:nvSpPr>
+        <p:spPr>
+          <a:xfrm>
+            <a:off x="176358" y="2222332"/>
+            <a:ext cx="249382" cy="983877"/>
+          </a:xfrm>
+          <a:prstGeom prst="leftBrace">
+            <a:avLst/>
+          </a:prstGeom>
+          <a:ln w="12700"/>
+        </p:spPr>
+        <p:style>
+          <a:lnRef idx="1">
+            <a:schemeClr val="dk1"/>
+          </a:lnRef>
+          <a:fillRef idx="0">
+            <a:schemeClr val="dk1"/>
+          </a:fillRef>
+          <a:effectRef idx="0">
+            <a:schemeClr val="dk1"/>
+          </a:effectRef>
+          <a:fontRef idx="minor">
+            <a:schemeClr val="tx1"/>
+          </a:fontRef>
+        </p:style>
+        <p:txBody>
+          <a:bodyPr rtlCol="0" anchor="ctr"/>
+          <a:lstStyle/>
+          <a:p>
+            <a:pPr algn="ctr"/>
             <a:endParaRPr kumimoji="1" lang="ja-JP" altLang="en-US"/>
           </a:p>
         </p:txBody>
@@ -4331,7 +4755,7 @@
     </p:spTree>
     <p:extLst>
       <p:ext uri="{BB962C8B-B14F-4D97-AF65-F5344CB8AC3E}">
-        <p14:creationId xmlns:p14="http://schemas.microsoft.com/office/powerpoint/2010/main" val="354778149"/>
+        <p14:creationId xmlns:p14="http://schemas.microsoft.com/office/powerpoint/2010/main" val="4120279363"/>
       </p:ext>
     </p:extLst>
   </p:cSld>
@@ -4344,6 +4768,14 @@
 <file path=ppt/slides/slide4.xml><?xml version="1.0" encoding="utf-8"?>
 <p:sld xmlns:a="http://schemas.openxmlformats.org/drawingml/2006/main" xmlns:r="http://schemas.openxmlformats.org/officeDocument/2006/relationships" xmlns:p="http://schemas.openxmlformats.org/presentationml/2006/main">
   <p:cSld>
+    <p:bg>
+      <p:bgPr>
+        <a:solidFill>
+          <a:schemeClr val="bg1"/>
+        </a:solidFill>
+        <a:effectLst/>
+      </p:bgPr>
+    </p:bg>
     <p:spTree>
       <p:nvGrpSpPr>
         <p:cNvPr id="1" name=""/>
@@ -4358,12 +4790,41 @@
           <a:chExt cx="0" cy="0"/>
         </a:xfrm>
       </p:grpSpPr>
+      <p:pic>
+        <p:nvPicPr>
+          <p:cNvPr id="24" name="図 23">
+            <a:extLst>
+              <a:ext uri="{FF2B5EF4-FFF2-40B4-BE49-F238E27FC236}">
+                <a16:creationId xmlns:a16="http://schemas.microsoft.com/office/drawing/2014/main" id="{411C3B82-E472-4AB0-834A-389946C877A8}"/>
+              </a:ext>
+            </a:extLst>
+          </p:cNvPr>
+          <p:cNvPicPr>
+            <a:picLocks noChangeAspect="1"/>
+          </p:cNvPicPr>
+          <p:nvPr/>
+        </p:nvPicPr>
+        <p:blipFill rotWithShape="1">
+          <a:blip r:embed="rId2"/>
+          <a:srcRect l="26909" t="42485" r="23909" b="39899"/>
+          <a:stretch/>
+        </p:blipFill>
+        <p:spPr>
+          <a:xfrm>
+            <a:off x="1219606" y="1931487"/>
+            <a:ext cx="7550323" cy="1521229"/>
+          </a:xfrm>
+          <a:prstGeom prst="rect">
+            <a:avLst/>
+          </a:prstGeom>
+        </p:spPr>
+      </p:pic>
       <p:sp>
         <p:nvSpPr>
           <p:cNvPr id="2" name="タイトル 1">
             <a:extLst>
               <a:ext uri="{FF2B5EF4-FFF2-40B4-BE49-F238E27FC236}">
-                <a16:creationId xmlns:a16="http://schemas.microsoft.com/office/drawing/2014/main" id="{8397C327-C96F-412E-A3DB-87CE3BE10C53}"/>
+                <a16:creationId xmlns:a16="http://schemas.microsoft.com/office/drawing/2014/main" id="{28C1E370-763C-4A41-9D7C-EA9730636526}"/>
               </a:ext>
             </a:extLst>
           </p:cNvPr>
@@ -4374,37 +4835,21 @@
             <p:ph type="title"/>
           </p:nvPr>
         </p:nvSpPr>
-        <p:spPr/>
+        <p:spPr>
+          <a:xfrm>
+            <a:off x="648392" y="365126"/>
+            <a:ext cx="7866957" cy="1325563"/>
+          </a:xfrm>
+        </p:spPr>
         <p:txBody>
           <a:bodyPr/>
           <a:lstStyle/>
           <a:p>
+            <a:r>
+              <a:rPr lang="ja-JP" altLang="en-US" dirty="0"/>
+              <a:t>背景　利得スイッチング</a:t>
+            </a:r>
             <a:endParaRPr kumimoji="1" lang="ja-JP" altLang="en-US" dirty="0"/>
-          </a:p>
-        </p:txBody>
-      </p:sp>
-      <p:sp>
-        <p:nvSpPr>
-          <p:cNvPr id="3" name="コンテンツ プレースホルダー 2">
-            <a:extLst>
-              <a:ext uri="{FF2B5EF4-FFF2-40B4-BE49-F238E27FC236}">
-                <a16:creationId xmlns:a16="http://schemas.microsoft.com/office/drawing/2014/main" id="{FD96D4EE-164C-4E0F-835E-9EDA23012B53}"/>
-              </a:ext>
-            </a:extLst>
-          </p:cNvPr>
-          <p:cNvSpPr>
-            <a:spLocks noGrp="1"/>
-          </p:cNvSpPr>
-          <p:nvPr>
-            <p:ph idx="1"/>
-          </p:nvPr>
-        </p:nvSpPr>
-        <p:spPr/>
-        <p:txBody>
-          <a:bodyPr/>
-          <a:lstStyle/>
-          <a:p>
-            <a:endParaRPr kumimoji="1" lang="ja-JP" altLang="en-US"/>
           </a:p>
         </p:txBody>
       </p:sp>
@@ -4413,7 +4858,7 @@
           <p:cNvPr id="4" name="スライド番号プレースホルダー 3">
             <a:extLst>
               <a:ext uri="{FF2B5EF4-FFF2-40B4-BE49-F238E27FC236}">
-                <a16:creationId xmlns:a16="http://schemas.microsoft.com/office/drawing/2014/main" id="{7B84A93F-BF8D-4729-8019-EB42449BE51D}"/>
+                <a16:creationId xmlns:a16="http://schemas.microsoft.com/office/drawing/2014/main" id="{958E16F8-6D0B-42E5-8FBD-14EFE0136BB3}"/>
               </a:ext>
             </a:extLst>
           </p:cNvPr>
@@ -4437,10 +4882,474 @@
           </a:p>
         </p:txBody>
       </p:sp>
+      <p:sp>
+        <p:nvSpPr>
+          <p:cNvPr id="6" name="テキスト ボックス 5">
+            <a:extLst>
+              <a:ext uri="{FF2B5EF4-FFF2-40B4-BE49-F238E27FC236}">
+                <a16:creationId xmlns:a16="http://schemas.microsoft.com/office/drawing/2014/main" id="{916C27CA-7A13-446E-A987-7702CF6F82E2}"/>
+              </a:ext>
+            </a:extLst>
+          </p:cNvPr>
+          <p:cNvSpPr txBox="1"/>
+          <p:nvPr/>
+        </p:nvSpPr>
+        <p:spPr>
+          <a:xfrm>
+            <a:off x="174567" y="1538439"/>
+            <a:ext cx="2510443" cy="369332"/>
+          </a:xfrm>
+          <a:prstGeom prst="rect">
+            <a:avLst/>
+          </a:prstGeom>
+          <a:noFill/>
+        </p:spPr>
+        <p:txBody>
+          <a:bodyPr wrap="square" rtlCol="0">
+            <a:spAutoFit/>
+          </a:bodyPr>
+          <a:lstStyle/>
+          <a:p>
+            <a:r>
+              <a:rPr lang="en-US" altLang="ja-JP" dirty="0"/>
+              <a:t>2</a:t>
+            </a:r>
+            <a:r>
+              <a:rPr lang="ja-JP" altLang="en-US" dirty="0"/>
+              <a:t>準位系レート方程式</a:t>
+            </a:r>
+            <a:endParaRPr lang="en-US" altLang="ja-JP" dirty="0"/>
+          </a:p>
+        </p:txBody>
+      </p:sp>
+      <p:grpSp>
+        <p:nvGrpSpPr>
+          <p:cNvPr id="23" name="グループ化 22">
+            <a:extLst>
+              <a:ext uri="{FF2B5EF4-FFF2-40B4-BE49-F238E27FC236}">
+                <a16:creationId xmlns:a16="http://schemas.microsoft.com/office/drawing/2014/main" id="{A8A48070-B3F4-4296-8F0D-6329F6196AD1}"/>
+              </a:ext>
+            </a:extLst>
+          </p:cNvPr>
+          <p:cNvGrpSpPr/>
+          <p:nvPr/>
+        </p:nvGrpSpPr>
+        <p:grpSpPr>
+          <a:xfrm>
+            <a:off x="2264030" y="1828801"/>
+            <a:ext cx="3698327" cy="1772527"/>
+            <a:chOff x="1133502" y="1803862"/>
+            <a:chExt cx="3698327" cy="1772527"/>
+          </a:xfrm>
+        </p:grpSpPr>
+        <p:sp>
+          <p:nvSpPr>
+            <p:cNvPr id="10" name="正方形/長方形 9">
+              <a:extLst>
+                <a:ext uri="{FF2B5EF4-FFF2-40B4-BE49-F238E27FC236}">
+                  <a16:creationId xmlns:a16="http://schemas.microsoft.com/office/drawing/2014/main" id="{E5C5F213-5384-4F20-9CD9-DD6149CD5430}"/>
+                </a:ext>
+              </a:extLst>
+            </p:cNvPr>
+            <p:cNvSpPr/>
+            <p:nvPr/>
+          </p:nvSpPr>
+          <p:spPr>
+            <a:xfrm>
+              <a:off x="2685010" y="2160653"/>
+              <a:ext cx="1496291" cy="499419"/>
+            </a:xfrm>
+            <a:prstGeom prst="rect">
+              <a:avLst/>
+            </a:prstGeom>
+            <a:solidFill>
+              <a:schemeClr val="accent1">
+                <a:alpha val="20000"/>
+              </a:schemeClr>
+            </a:solidFill>
+          </p:spPr>
+          <p:style>
+            <a:lnRef idx="2">
+              <a:schemeClr val="accent1">
+                <a:shade val="50000"/>
+              </a:schemeClr>
+            </a:lnRef>
+            <a:fillRef idx="1">
+              <a:schemeClr val="accent1"/>
+            </a:fillRef>
+            <a:effectRef idx="0">
+              <a:schemeClr val="accent1"/>
+            </a:effectRef>
+            <a:fontRef idx="minor">
+              <a:schemeClr val="lt1"/>
+            </a:fontRef>
+          </p:style>
+          <p:txBody>
+            <a:bodyPr rtlCol="0" anchor="ctr"/>
+            <a:lstStyle/>
+            <a:p>
+              <a:pPr algn="ctr"/>
+              <a:endParaRPr kumimoji="1" lang="ja-JP" altLang="en-US"/>
+            </a:p>
+          </p:txBody>
+        </p:sp>
+        <p:sp>
+          <p:nvSpPr>
+            <p:cNvPr id="11" name="正方形/長方形 10">
+              <a:extLst>
+                <a:ext uri="{FF2B5EF4-FFF2-40B4-BE49-F238E27FC236}">
+                  <a16:creationId xmlns:a16="http://schemas.microsoft.com/office/drawing/2014/main" id="{69773C54-3FAB-48F6-AF8F-32AC0E75ADF6}"/>
+                </a:ext>
+              </a:extLst>
+            </p:cNvPr>
+            <p:cNvSpPr/>
+            <p:nvPr/>
+          </p:nvSpPr>
+          <p:spPr>
+            <a:xfrm>
+              <a:off x="1404851" y="2742417"/>
+              <a:ext cx="1496291" cy="499419"/>
+            </a:xfrm>
+            <a:prstGeom prst="rect">
+              <a:avLst/>
+            </a:prstGeom>
+            <a:solidFill>
+              <a:schemeClr val="accent1">
+                <a:alpha val="20000"/>
+              </a:schemeClr>
+            </a:solidFill>
+          </p:spPr>
+          <p:style>
+            <a:lnRef idx="2">
+              <a:schemeClr val="accent1">
+                <a:shade val="50000"/>
+              </a:schemeClr>
+            </a:lnRef>
+            <a:fillRef idx="1">
+              <a:schemeClr val="accent1"/>
+            </a:fillRef>
+            <a:effectRef idx="0">
+              <a:schemeClr val="accent1"/>
+            </a:effectRef>
+            <a:fontRef idx="minor">
+              <a:schemeClr val="lt1"/>
+            </a:fontRef>
+          </p:style>
+          <p:txBody>
+            <a:bodyPr rtlCol="0" anchor="ctr"/>
+            <a:lstStyle/>
+            <a:p>
+              <a:pPr algn="ctr"/>
+              <a:endParaRPr kumimoji="1" lang="ja-JP" altLang="en-US"/>
+            </a:p>
+          </p:txBody>
+        </p:sp>
+        <p:sp>
+          <p:nvSpPr>
+            <p:cNvPr id="15" name="正方形/長方形 14">
+              <a:extLst>
+                <a:ext uri="{FF2B5EF4-FFF2-40B4-BE49-F238E27FC236}">
+                  <a16:creationId xmlns:a16="http://schemas.microsoft.com/office/drawing/2014/main" id="{E64EEFF7-8C91-4179-9C7A-D38ED3C1E8FE}"/>
+                </a:ext>
+              </a:extLst>
+            </p:cNvPr>
+            <p:cNvSpPr/>
+            <p:nvPr/>
+          </p:nvSpPr>
+          <p:spPr>
+            <a:xfrm>
+              <a:off x="1404851" y="2160653"/>
+              <a:ext cx="1030778" cy="499418"/>
+            </a:xfrm>
+            <a:prstGeom prst="rect">
+              <a:avLst/>
+            </a:prstGeom>
+            <a:solidFill>
+              <a:schemeClr val="accent6">
+                <a:alpha val="20000"/>
+              </a:schemeClr>
+            </a:solidFill>
+          </p:spPr>
+          <p:style>
+            <a:lnRef idx="2">
+              <a:schemeClr val="accent6">
+                <a:shade val="50000"/>
+              </a:schemeClr>
+            </a:lnRef>
+            <a:fillRef idx="1">
+              <a:schemeClr val="accent6"/>
+            </a:fillRef>
+            <a:effectRef idx="0">
+              <a:schemeClr val="accent6"/>
+            </a:effectRef>
+            <a:fontRef idx="minor">
+              <a:schemeClr val="lt1"/>
+            </a:fontRef>
+          </p:style>
+          <p:txBody>
+            <a:bodyPr rtlCol="0" anchor="ctr"/>
+            <a:lstStyle/>
+            <a:p>
+              <a:pPr algn="ctr"/>
+              <a:endParaRPr kumimoji="1" lang="ja-JP" altLang="en-US"/>
+            </a:p>
+          </p:txBody>
+        </p:sp>
+        <p:sp>
+          <p:nvSpPr>
+            <p:cNvPr id="16" name="テキスト ボックス 15">
+              <a:extLst>
+                <a:ext uri="{FF2B5EF4-FFF2-40B4-BE49-F238E27FC236}">
+                  <a16:creationId xmlns:a16="http://schemas.microsoft.com/office/drawing/2014/main" id="{6F7F0448-8FB2-4D2C-AB2E-D5AF64DE809A}"/>
+                </a:ext>
+              </a:extLst>
+            </p:cNvPr>
+            <p:cNvSpPr txBox="1"/>
+            <p:nvPr/>
+          </p:nvSpPr>
+          <p:spPr>
+            <a:xfrm>
+              <a:off x="2892827" y="1803862"/>
+              <a:ext cx="1814541" cy="369332"/>
+            </a:xfrm>
+            <a:prstGeom prst="rect">
+              <a:avLst/>
+            </a:prstGeom>
+            <a:noFill/>
+          </p:spPr>
+          <p:txBody>
+            <a:bodyPr wrap="square" rtlCol="0">
+              <a:spAutoFit/>
+            </a:bodyPr>
+            <a:lstStyle/>
+            <a:p>
+              <a:r>
+                <a:rPr kumimoji="1" lang="ja-JP" altLang="en-US" dirty="0"/>
+                <a:t>誘導放出</a:t>
+              </a:r>
+            </a:p>
+          </p:txBody>
+        </p:sp>
+        <p:sp>
+          <p:nvSpPr>
+            <p:cNvPr id="17" name="テキスト ボックス 16">
+              <a:extLst>
+                <a:ext uri="{FF2B5EF4-FFF2-40B4-BE49-F238E27FC236}">
+                  <a16:creationId xmlns:a16="http://schemas.microsoft.com/office/drawing/2014/main" id="{69DEF1C3-184D-497A-840E-309EED4C8B01}"/>
+                </a:ext>
+              </a:extLst>
+            </p:cNvPr>
+            <p:cNvSpPr txBox="1"/>
+            <p:nvPr/>
+          </p:nvSpPr>
+          <p:spPr>
+            <a:xfrm>
+              <a:off x="1133502" y="1827014"/>
+              <a:ext cx="1814541" cy="369332"/>
+            </a:xfrm>
+            <a:prstGeom prst="rect">
+              <a:avLst/>
+            </a:prstGeom>
+            <a:noFill/>
+          </p:spPr>
+          <p:txBody>
+            <a:bodyPr wrap="square" rtlCol="0">
+              <a:spAutoFit/>
+            </a:bodyPr>
+            <a:lstStyle/>
+            <a:p>
+              <a:r>
+                <a:rPr lang="ja-JP" altLang="en-US" dirty="0"/>
+                <a:t>キャリア注入</a:t>
+              </a:r>
+              <a:endParaRPr kumimoji="1" lang="ja-JP" altLang="en-US" dirty="0"/>
+            </a:p>
+          </p:txBody>
+        </p:sp>
+        <p:sp>
+          <p:nvSpPr>
+            <p:cNvPr id="18" name="正方形/長方形 17">
+              <a:extLst>
+                <a:ext uri="{FF2B5EF4-FFF2-40B4-BE49-F238E27FC236}">
+                  <a16:creationId xmlns:a16="http://schemas.microsoft.com/office/drawing/2014/main" id="{AC34F17A-E3EE-4B3E-B5B4-C6DD43C9BE06}"/>
+                </a:ext>
+              </a:extLst>
+            </p:cNvPr>
+            <p:cNvSpPr/>
+            <p:nvPr/>
+          </p:nvSpPr>
+          <p:spPr>
+            <a:xfrm>
+              <a:off x="3056484" y="2742417"/>
+              <a:ext cx="366722" cy="499419"/>
+            </a:xfrm>
+            <a:prstGeom prst="rect">
+              <a:avLst/>
+            </a:prstGeom>
+            <a:solidFill>
+              <a:schemeClr val="accent2">
+                <a:alpha val="20000"/>
+              </a:schemeClr>
+            </a:solidFill>
+          </p:spPr>
+          <p:style>
+            <a:lnRef idx="2">
+              <a:schemeClr val="accent2">
+                <a:shade val="50000"/>
+              </a:schemeClr>
+            </a:lnRef>
+            <a:fillRef idx="1">
+              <a:schemeClr val="accent2"/>
+            </a:fillRef>
+            <a:effectRef idx="0">
+              <a:schemeClr val="accent2"/>
+            </a:effectRef>
+            <a:fontRef idx="minor">
+              <a:schemeClr val="lt1"/>
+            </a:fontRef>
+          </p:style>
+          <p:txBody>
+            <a:bodyPr rtlCol="0" anchor="ctr"/>
+            <a:lstStyle/>
+            <a:p>
+              <a:pPr algn="ctr"/>
+              <a:endParaRPr kumimoji="1" lang="ja-JP" altLang="en-US"/>
+            </a:p>
+          </p:txBody>
+        </p:sp>
+        <p:sp>
+          <p:nvSpPr>
+            <p:cNvPr id="19" name="テキスト ボックス 18">
+              <a:extLst>
+                <a:ext uri="{FF2B5EF4-FFF2-40B4-BE49-F238E27FC236}">
+                  <a16:creationId xmlns:a16="http://schemas.microsoft.com/office/drawing/2014/main" id="{282F7768-803D-413A-86C6-543F2332ED71}"/>
+                </a:ext>
+              </a:extLst>
+            </p:cNvPr>
+            <p:cNvSpPr txBox="1"/>
+            <p:nvPr/>
+          </p:nvSpPr>
+          <p:spPr>
+            <a:xfrm>
+              <a:off x="3017288" y="3207057"/>
+              <a:ext cx="1814541" cy="369332"/>
+            </a:xfrm>
+            <a:prstGeom prst="rect">
+              <a:avLst/>
+            </a:prstGeom>
+            <a:noFill/>
+          </p:spPr>
+          <p:txBody>
+            <a:bodyPr wrap="square" rtlCol="0">
+              <a:spAutoFit/>
+            </a:bodyPr>
+            <a:lstStyle/>
+            <a:p>
+              <a:r>
+                <a:rPr kumimoji="1" lang="ja-JP" altLang="en-US" dirty="0"/>
+                <a:t>共振器寿命</a:t>
+              </a:r>
+            </a:p>
+          </p:txBody>
+        </p:sp>
+      </p:grpSp>
+      <p:pic>
+        <p:nvPicPr>
+          <p:cNvPr id="20" name="図 19">
+            <a:extLst>
+              <a:ext uri="{FF2B5EF4-FFF2-40B4-BE49-F238E27FC236}">
+                <a16:creationId xmlns:a16="http://schemas.microsoft.com/office/drawing/2014/main" id="{42A5731B-3B01-4F1A-B662-E78AF3C12C45}"/>
+              </a:ext>
+            </a:extLst>
+          </p:cNvPr>
+          <p:cNvPicPr>
+            <a:picLocks noChangeAspect="1"/>
+          </p:cNvPicPr>
+          <p:nvPr/>
+        </p:nvPicPr>
+        <p:blipFill>
+          <a:blip r:embed="rId3">
+            <a:extLst>
+              <a:ext uri="{28A0092B-C50C-407E-A947-70E740481C1C}">
+                <a14:useLocalDpi xmlns:a14="http://schemas.microsoft.com/office/drawing/2010/main" val="0"/>
+              </a:ext>
+            </a:extLst>
+          </a:blip>
+          <a:stretch>
+            <a:fillRect/>
+          </a:stretch>
+        </p:blipFill>
+        <p:spPr>
+          <a:xfrm>
+            <a:off x="80760" y="3893640"/>
+            <a:ext cx="4401895" cy="2901438"/>
+          </a:xfrm>
+          <a:prstGeom prst="rect">
+            <a:avLst/>
+          </a:prstGeom>
+        </p:spPr>
+      </p:pic>
+      <p:sp>
+        <p:nvSpPr>
+          <p:cNvPr id="21" name="テキスト ボックス 20">
+            <a:extLst>
+              <a:ext uri="{FF2B5EF4-FFF2-40B4-BE49-F238E27FC236}">
+                <a16:creationId xmlns:a16="http://schemas.microsoft.com/office/drawing/2014/main" id="{D88481C9-406F-4A56-A17F-E91E6ED46823}"/>
+              </a:ext>
+            </a:extLst>
+          </p:cNvPr>
+          <p:cNvSpPr txBox="1"/>
+          <p:nvPr/>
+        </p:nvSpPr>
+        <p:spPr>
+          <a:xfrm>
+            <a:off x="4994767" y="4594324"/>
+            <a:ext cx="2992582" cy="923330"/>
+          </a:xfrm>
+          <a:prstGeom prst="rect">
+            <a:avLst/>
+          </a:prstGeom>
+          <a:noFill/>
+        </p:spPr>
+        <p:txBody>
+          <a:bodyPr wrap="square" rtlCol="0">
+            <a:spAutoFit/>
+          </a:bodyPr>
+          <a:lstStyle/>
+          <a:p>
+            <a:r>
+              <a:rPr kumimoji="1" lang="ja-JP" altLang="en-US" dirty="0"/>
+              <a:t>パルス幅を決める要因</a:t>
+            </a:r>
+            <a:endParaRPr kumimoji="1" lang="en-US" altLang="ja-JP" dirty="0"/>
+          </a:p>
+          <a:p>
+            <a:pPr marL="285750" indent="-285750">
+              <a:buFont typeface="Wingdings" panose="05000000000000000000" pitchFamily="2" charset="2"/>
+              <a:buChar char="ü"/>
+            </a:pPr>
+            <a:r>
+              <a:rPr lang="ja-JP" altLang="en-US" dirty="0"/>
+              <a:t>利得の大きさ</a:t>
+            </a:r>
+            <a:endParaRPr lang="en-US" altLang="ja-JP" dirty="0"/>
+          </a:p>
+          <a:p>
+            <a:pPr marL="285750" indent="-285750">
+              <a:buFont typeface="Wingdings" panose="05000000000000000000" pitchFamily="2" charset="2"/>
+              <a:buChar char="ü"/>
+            </a:pPr>
+            <a:r>
+              <a:rPr kumimoji="1" lang="ja-JP" altLang="en-US" dirty="0"/>
+              <a:t>共振器寿命</a:t>
+            </a:r>
+          </a:p>
+        </p:txBody>
+      </p:sp>
     </p:spTree>
     <p:extLst>
       <p:ext uri="{BB962C8B-B14F-4D97-AF65-F5344CB8AC3E}">
-        <p14:creationId xmlns:p14="http://schemas.microsoft.com/office/powerpoint/2010/main" val="1464853976"/>
+        <p14:creationId xmlns:p14="http://schemas.microsoft.com/office/powerpoint/2010/main" val="354778149"/>
       </p:ext>
     </p:extLst>
   </p:cSld>
@@ -4472,7 +5381,7 @@
           <p:cNvPr id="2" name="タイトル 1">
             <a:extLst>
               <a:ext uri="{FF2B5EF4-FFF2-40B4-BE49-F238E27FC236}">
-                <a16:creationId xmlns:a16="http://schemas.microsoft.com/office/drawing/2014/main" id="{64363FF2-67F8-4932-9FCA-903917158B06}"/>
+                <a16:creationId xmlns:a16="http://schemas.microsoft.com/office/drawing/2014/main" id="{8397C327-C96F-412E-A3DB-87CE3BE10C53}"/>
               </a:ext>
             </a:extLst>
           </p:cNvPr>
@@ -4488,32 +5397,10 @@
           <a:bodyPr/>
           <a:lstStyle/>
           <a:p>
-            <a:endParaRPr kumimoji="1" lang="ja-JP" altLang="en-US"/>
-          </a:p>
-        </p:txBody>
-      </p:sp>
-      <p:sp>
-        <p:nvSpPr>
-          <p:cNvPr id="3" name="コンテンツ プレースホルダー 2">
-            <a:extLst>
-              <a:ext uri="{FF2B5EF4-FFF2-40B4-BE49-F238E27FC236}">
-                <a16:creationId xmlns:a16="http://schemas.microsoft.com/office/drawing/2014/main" id="{42239E95-3A50-48D1-AE1F-33C7DCE0879E}"/>
-              </a:ext>
-            </a:extLst>
-          </p:cNvPr>
-          <p:cNvSpPr>
-            <a:spLocks noGrp="1"/>
-          </p:cNvSpPr>
-          <p:nvPr>
-            <p:ph idx="1"/>
-          </p:nvPr>
-        </p:nvSpPr>
-        <p:spPr/>
-        <p:txBody>
-          <a:bodyPr/>
-          <a:lstStyle/>
-          <a:p>
-            <a:endParaRPr kumimoji="1" lang="ja-JP" altLang="en-US"/>
+            <a:r>
+              <a:rPr kumimoji="1" lang="ja-JP" altLang="en-US" dirty="0"/>
+              <a:t>背景</a:t>
+            </a:r>
           </a:p>
         </p:txBody>
       </p:sp>
@@ -4522,7 +5409,7 @@
           <p:cNvPr id="4" name="スライド番号プレースホルダー 3">
             <a:extLst>
               <a:ext uri="{FF2B5EF4-FFF2-40B4-BE49-F238E27FC236}">
-                <a16:creationId xmlns:a16="http://schemas.microsoft.com/office/drawing/2014/main" id="{E5EC78F7-2C69-41A2-8A35-659D6D350BF5}"/>
+                <a16:creationId xmlns:a16="http://schemas.microsoft.com/office/drawing/2014/main" id="{7B84A93F-BF8D-4729-8019-EB42449BE51D}"/>
               </a:ext>
             </a:extLst>
           </p:cNvPr>
@@ -4546,10 +5433,67 @@
           </a:p>
         </p:txBody>
       </p:sp>
+      <p:sp>
+        <p:nvSpPr>
+          <p:cNvPr id="5" name="テキスト ボックス 4">
+            <a:extLst>
+              <a:ext uri="{FF2B5EF4-FFF2-40B4-BE49-F238E27FC236}">
+                <a16:creationId xmlns:a16="http://schemas.microsoft.com/office/drawing/2014/main" id="{E5407704-A1FA-48DF-B5A4-31BF74F89959}"/>
+              </a:ext>
+            </a:extLst>
+          </p:cNvPr>
+          <p:cNvSpPr txBox="1"/>
+          <p:nvPr/>
+        </p:nvSpPr>
+        <p:spPr>
+          <a:xfrm>
+            <a:off x="439534" y="1516072"/>
+            <a:ext cx="4290407" cy="923330"/>
+          </a:xfrm>
+          <a:prstGeom prst="rect">
+            <a:avLst/>
+          </a:prstGeom>
+          <a:noFill/>
+        </p:spPr>
+        <p:txBody>
+          <a:bodyPr wrap="square" rtlCol="0">
+            <a:spAutoFit/>
+          </a:bodyPr>
+          <a:lstStyle/>
+          <a:p>
+            <a:r>
+              <a:rPr kumimoji="1" lang="ja-JP" altLang="en-US" dirty="0"/>
+              <a:t>パルス幅を決める要因</a:t>
+            </a:r>
+            <a:endParaRPr kumimoji="1" lang="en-US" altLang="ja-JP" dirty="0"/>
+          </a:p>
+          <a:p>
+            <a:pPr marL="285750" indent="-285750">
+              <a:buFont typeface="Wingdings" panose="05000000000000000000" pitchFamily="2" charset="2"/>
+              <a:buChar char="ü"/>
+            </a:pPr>
+            <a:r>
+              <a:rPr lang="ja-JP" altLang="en-US" dirty="0"/>
+              <a:t>利得の大きさ</a:t>
+            </a:r>
+            <a:endParaRPr lang="en-US" altLang="ja-JP" dirty="0"/>
+          </a:p>
+          <a:p>
+            <a:pPr marL="285750" indent="-285750">
+              <a:buFont typeface="Wingdings" panose="05000000000000000000" pitchFamily="2" charset="2"/>
+              <a:buChar char="ü"/>
+            </a:pPr>
+            <a:r>
+              <a:rPr kumimoji="1" lang="ja-JP" altLang="en-US" dirty="0"/>
+              <a:t>共振器寿命</a:t>
+            </a:r>
+          </a:p>
+        </p:txBody>
+      </p:sp>
     </p:spTree>
     <p:extLst>
       <p:ext uri="{BB962C8B-B14F-4D97-AF65-F5344CB8AC3E}">
-        <p14:creationId xmlns:p14="http://schemas.microsoft.com/office/powerpoint/2010/main" val="4120279363"/>
+        <p14:creationId xmlns:p14="http://schemas.microsoft.com/office/powerpoint/2010/main" val="1464853976"/>
       </p:ext>
     </p:extLst>
   </p:cSld>

--- a/修論/発表スライド/審査会スライド0105.pptx
+++ b/修論/発表スライド/審査会スライド0105.pptx
@@ -4528,46 +4528,6 @@
           </a:prstGeom>
         </p:spPr>
       </p:pic>
-      <p:sp>
-        <p:nvSpPr>
-          <p:cNvPr id="8" name="テキスト ボックス 7">
-            <a:extLst>
-              <a:ext uri="{FF2B5EF4-FFF2-40B4-BE49-F238E27FC236}">
-                <a16:creationId xmlns:a16="http://schemas.microsoft.com/office/drawing/2014/main" id="{1099F95F-8833-4AE7-BD19-FF7FB9802930}"/>
-              </a:ext>
-            </a:extLst>
-          </p:cNvPr>
-          <p:cNvSpPr txBox="1"/>
-          <p:nvPr/>
-        </p:nvSpPr>
-        <p:spPr>
-          <a:xfrm>
-            <a:off x="-24937" y="1690689"/>
-            <a:ext cx="2510443" cy="369332"/>
-          </a:xfrm>
-          <a:prstGeom prst="rect">
-            <a:avLst/>
-          </a:prstGeom>
-          <a:noFill/>
-        </p:spPr>
-        <p:txBody>
-          <a:bodyPr wrap="square" rtlCol="0">
-            <a:spAutoFit/>
-          </a:bodyPr>
-          <a:lstStyle/>
-          <a:p>
-            <a:r>
-              <a:rPr lang="en-US" altLang="ja-JP" dirty="0"/>
-              <a:t>2</a:t>
-            </a:r>
-            <a:r>
-              <a:rPr lang="ja-JP" altLang="en-US" dirty="0"/>
-              <a:t>準位系レート方程式</a:t>
-            </a:r>
-            <a:endParaRPr lang="en-US" altLang="ja-JP" dirty="0"/>
-          </a:p>
-        </p:txBody>
-      </p:sp>
       <p:pic>
         <p:nvPicPr>
           <p:cNvPr id="9" name="図 8">
@@ -4749,6 +4709,46 @@
           <a:p>
             <a:pPr algn="ctr"/>
             <a:endParaRPr kumimoji="1" lang="ja-JP" altLang="en-US"/>
+          </a:p>
+        </p:txBody>
+      </p:sp>
+      <p:sp>
+        <p:nvSpPr>
+          <p:cNvPr id="11" name="テキスト ボックス 10">
+            <a:extLst>
+              <a:ext uri="{FF2B5EF4-FFF2-40B4-BE49-F238E27FC236}">
+                <a16:creationId xmlns:a16="http://schemas.microsoft.com/office/drawing/2014/main" id="{88A2EEDE-0E6C-644E-932C-43A4EB184F5A}"/>
+              </a:ext>
+            </a:extLst>
+          </p:cNvPr>
+          <p:cNvSpPr txBox="1"/>
+          <p:nvPr/>
+        </p:nvSpPr>
+        <p:spPr>
+          <a:xfrm>
+            <a:off x="-35616" y="1708439"/>
+            <a:ext cx="2510443" cy="369332"/>
+          </a:xfrm>
+          <a:prstGeom prst="rect">
+            <a:avLst/>
+          </a:prstGeom>
+          <a:noFill/>
+        </p:spPr>
+        <p:txBody>
+          <a:bodyPr wrap="square" rtlCol="0">
+            <a:spAutoFit/>
+          </a:bodyPr>
+          <a:lstStyle/>
+          <a:p>
+            <a:r>
+              <a:rPr lang="en-US" altLang="ja-JP" dirty="0"/>
+              <a:t>2</a:t>
+            </a:r>
+            <a:r>
+              <a:rPr lang="ja-JP" altLang="en-US" dirty="0"/>
+              <a:t>準位系レート方程式</a:t>
+            </a:r>
+            <a:endParaRPr lang="en-US" altLang="ja-JP" dirty="0"/>
           </a:p>
         </p:txBody>
       </p:sp>
@@ -4896,7 +4896,7 @@
         </p:nvSpPr>
         <p:spPr>
           <a:xfrm>
-            <a:off x="174567" y="1538439"/>
+            <a:off x="-35616" y="1708439"/>
             <a:ext cx="2510443" cy="369332"/>
           </a:xfrm>
           <a:prstGeom prst="rect">
@@ -4956,8 +4956,8 @@
           </p:nvSpPr>
           <p:spPr>
             <a:xfrm>
-              <a:off x="2685010" y="2160653"/>
-              <a:ext cx="1496291" cy="499419"/>
+              <a:off x="2685010" y="2135251"/>
+              <a:ext cx="1496291" cy="553398"/>
             </a:xfrm>
             <a:prstGeom prst="rect">
               <a:avLst/>
@@ -5058,8 +5058,8 @@
           </p:nvSpPr>
           <p:spPr>
             <a:xfrm>
-              <a:off x="1404851" y="2160653"/>
-              <a:ext cx="1030778" cy="499418"/>
+              <a:off x="1404851" y="2135249"/>
+              <a:ext cx="1030778" cy="553398"/>
             </a:xfrm>
             <a:prstGeom prst="rect">
               <a:avLst/>
@@ -5303,8 +5303,8 @@
         </p:nvSpPr>
         <p:spPr>
           <a:xfrm>
-            <a:off x="4994767" y="4594324"/>
-            <a:ext cx="2992582" cy="923330"/>
+            <a:off x="4661347" y="4111489"/>
+            <a:ext cx="4992196" cy="1477328"/>
           </a:xfrm>
           <a:prstGeom prst="rect">
             <a:avLst/>
@@ -5318,7 +5318,7 @@
           <a:lstStyle/>
           <a:p>
             <a:r>
-              <a:rPr kumimoji="1" lang="ja-JP" altLang="en-US" dirty="0"/>
+              <a:rPr kumimoji="1" lang="ja-JP" altLang="en-US"/>
               <a:t>パルス幅を決める要因</a:t>
             </a:r>
             <a:endParaRPr kumimoji="1" lang="en-US" altLang="ja-JP" dirty="0"/>
@@ -5330,9 +5330,16 @@
             </a:pPr>
             <a:r>
               <a:rPr lang="ja-JP" altLang="en-US" dirty="0"/>
-              <a:t>利得の大きさ</a:t>
-            </a:r>
-            <a:endParaRPr lang="en-US" altLang="ja-JP" dirty="0"/>
+              <a:t>利得</a:t>
+            </a:r>
+            <a:r>
+              <a:rPr lang="ja-JP" altLang="en-US"/>
+              <a:t>の大きさ</a:t>
+            </a:r>
+            <a:r>
+              <a:rPr lang="en-US" altLang="ja-JP" dirty="0"/>
+              <a:t>		</a:t>
+            </a:r>
           </a:p>
           <a:p>
             <a:pPr marL="285750" indent="-285750">
@@ -5340,9 +5347,142 @@
               <a:buChar char="ü"/>
             </a:pPr>
             <a:r>
-              <a:rPr kumimoji="1" lang="ja-JP" altLang="en-US" dirty="0"/>
+              <a:rPr kumimoji="1" lang="ja-JP" altLang="en-US"/>
               <a:t>共振器寿命</a:t>
             </a:r>
+            <a:r>
+              <a:rPr kumimoji="1" lang="en-US" altLang="ja-JP" dirty="0"/>
+              <a:t>  </a:t>
+            </a:r>
+          </a:p>
+          <a:p>
+            <a:pPr marL="285750" indent="-285750">
+              <a:buFont typeface="Wingdings" panose="05000000000000000000" pitchFamily="2" charset="2"/>
+              <a:buChar char="ü"/>
+            </a:pPr>
+            <a:endParaRPr lang="en-US" altLang="ja-JP" dirty="0"/>
+          </a:p>
+          <a:p>
+            <a:r>
+              <a:rPr kumimoji="1" lang="en-US" altLang="ja-JP" dirty="0"/>
+              <a:t>		</a:t>
+            </a:r>
+            <a:endParaRPr kumimoji="1" lang="ja-JP" altLang="en-US" dirty="0"/>
+          </a:p>
+        </p:txBody>
+      </p:sp>
+      <p:sp>
+        <p:nvSpPr>
+          <p:cNvPr id="22" name="テキスト ボックス 21">
+            <a:extLst>
+              <a:ext uri="{FF2B5EF4-FFF2-40B4-BE49-F238E27FC236}">
+                <a16:creationId xmlns:a16="http://schemas.microsoft.com/office/drawing/2014/main" id="{D82FB546-E2D3-0D46-BCFF-28989A601027}"/>
+              </a:ext>
+            </a:extLst>
+          </p:cNvPr>
+          <p:cNvSpPr txBox="1"/>
+          <p:nvPr/>
+        </p:nvSpPr>
+        <p:spPr>
+          <a:xfrm>
+            <a:off x="382385" y="2233148"/>
+            <a:ext cx="1695797" cy="307777"/>
+          </a:xfrm>
+          <a:prstGeom prst="rect">
+            <a:avLst/>
+          </a:prstGeom>
+          <a:noFill/>
+        </p:spPr>
+        <p:txBody>
+          <a:bodyPr wrap="square" rtlCol="0">
+            <a:spAutoFit/>
+          </a:bodyPr>
+          <a:lstStyle/>
+          <a:p>
+            <a:r>
+              <a:rPr kumimoji="1" lang="ja-JP" altLang="en-US" sz="1400" dirty="0"/>
+              <a:t>キャリア密度</a:t>
+            </a:r>
+          </a:p>
+        </p:txBody>
+      </p:sp>
+      <p:sp>
+        <p:nvSpPr>
+          <p:cNvPr id="25" name="テキスト ボックス 24">
+            <a:extLst>
+              <a:ext uri="{FF2B5EF4-FFF2-40B4-BE49-F238E27FC236}">
+                <a16:creationId xmlns:a16="http://schemas.microsoft.com/office/drawing/2014/main" id="{F2D755A5-1C96-3949-B4C6-645A4406A4AE}"/>
+              </a:ext>
+            </a:extLst>
+          </p:cNvPr>
+          <p:cNvSpPr txBox="1"/>
+          <p:nvPr/>
+        </p:nvSpPr>
+        <p:spPr>
+          <a:xfrm>
+            <a:off x="388331" y="2843278"/>
+            <a:ext cx="1695797" cy="307777"/>
+          </a:xfrm>
+          <a:prstGeom prst="rect">
+            <a:avLst/>
+          </a:prstGeom>
+          <a:noFill/>
+        </p:spPr>
+        <p:txBody>
+          <a:bodyPr wrap="square" rtlCol="0">
+            <a:spAutoFit/>
+          </a:bodyPr>
+          <a:lstStyle/>
+          <a:p>
+            <a:r>
+              <a:rPr kumimoji="1" lang="ja-JP" altLang="en-US" sz="1400" dirty="0"/>
+              <a:t>光子密度</a:t>
+            </a:r>
+          </a:p>
+        </p:txBody>
+      </p:sp>
+      <p:sp>
+        <p:nvSpPr>
+          <p:cNvPr id="26" name="左中かっこ 25">
+            <a:extLst>
+              <a:ext uri="{FF2B5EF4-FFF2-40B4-BE49-F238E27FC236}">
+                <a16:creationId xmlns:a16="http://schemas.microsoft.com/office/drawing/2014/main" id="{4A3EEC3E-652D-7746-9114-419B242588A4}"/>
+              </a:ext>
+            </a:extLst>
+          </p:cNvPr>
+          <p:cNvSpPr/>
+          <p:nvPr/>
+        </p:nvSpPr>
+        <p:spPr>
+          <a:xfrm>
+            <a:off x="176358" y="2222332"/>
+            <a:ext cx="249382" cy="983877"/>
+          </a:xfrm>
+          <a:prstGeom prst="leftBrace">
+            <a:avLst/>
+          </a:prstGeom>
+          <a:ln w="12700"/>
+        </p:spPr>
+        <p:style>
+          <a:lnRef idx="1">
+            <a:schemeClr val="dk1"/>
+          </a:lnRef>
+          <a:fillRef idx="0">
+            <a:schemeClr val="dk1"/>
+          </a:fillRef>
+          <a:effectRef idx="0">
+            <a:schemeClr val="dk1"/>
+          </a:effectRef>
+          <a:fontRef idx="minor">
+            <a:schemeClr val="tx1"/>
+          </a:fontRef>
+        </p:style>
+        <p:txBody>
+          <a:bodyPr rtlCol="0" anchor="ctr"/>
+          <a:lstStyle/>
+          <a:p>
+            <a:pPr algn="ctr"/>
+            <a:endParaRPr kumimoji="1" lang="ja-JP" altLang="en-US"/>
           </a:p>
         </p:txBody>
       </p:sp>
@@ -5378,34 +5518,6 @@
       </p:grpSpPr>
       <p:sp>
         <p:nvSpPr>
-          <p:cNvPr id="2" name="タイトル 1">
-            <a:extLst>
-              <a:ext uri="{FF2B5EF4-FFF2-40B4-BE49-F238E27FC236}">
-                <a16:creationId xmlns:a16="http://schemas.microsoft.com/office/drawing/2014/main" id="{8397C327-C96F-412E-A3DB-87CE3BE10C53}"/>
-              </a:ext>
-            </a:extLst>
-          </p:cNvPr>
-          <p:cNvSpPr>
-            <a:spLocks noGrp="1"/>
-          </p:cNvSpPr>
-          <p:nvPr>
-            <p:ph type="title"/>
-          </p:nvPr>
-        </p:nvSpPr>
-        <p:spPr/>
-        <p:txBody>
-          <a:bodyPr/>
-          <a:lstStyle/>
-          <a:p>
-            <a:r>
-              <a:rPr kumimoji="1" lang="ja-JP" altLang="en-US" dirty="0"/>
-              <a:t>背景</a:t>
-            </a:r>
-          </a:p>
-        </p:txBody>
-      </p:sp>
-      <p:sp>
-        <p:nvSpPr>
           <p:cNvPr id="4" name="スライド番号プレースホルダー 3">
             <a:extLst>
               <a:ext uri="{FF2B5EF4-FFF2-40B4-BE49-F238E27FC236}">
@@ -5435,58 +5547,35 @@
       </p:sp>
       <p:sp>
         <p:nvSpPr>
-          <p:cNvPr id="5" name="テキスト ボックス 4">
+          <p:cNvPr id="8" name="タイトル 1">
             <a:extLst>
               <a:ext uri="{FF2B5EF4-FFF2-40B4-BE49-F238E27FC236}">
-                <a16:creationId xmlns:a16="http://schemas.microsoft.com/office/drawing/2014/main" id="{E5407704-A1FA-48DF-B5A4-31BF74F89959}"/>
+                <a16:creationId xmlns:a16="http://schemas.microsoft.com/office/drawing/2014/main" id="{EF38EE8C-3FDD-2D49-8BAF-7D399A4589F2}"/>
               </a:ext>
             </a:extLst>
           </p:cNvPr>
-          <p:cNvSpPr txBox="1"/>
-          <p:nvPr/>
+          <p:cNvSpPr>
+            <a:spLocks noGrp="1"/>
+          </p:cNvSpPr>
+          <p:nvPr>
+            <p:ph type="title"/>
+          </p:nvPr>
         </p:nvSpPr>
         <p:spPr>
           <a:xfrm>
-            <a:off x="439534" y="1516072"/>
-            <a:ext cx="4290407" cy="923330"/>
+            <a:off x="648392" y="365126"/>
+            <a:ext cx="7866957" cy="1325563"/>
           </a:xfrm>
-          <a:prstGeom prst="rect">
-            <a:avLst/>
-          </a:prstGeom>
-          <a:noFill/>
         </p:spPr>
         <p:txBody>
-          <a:bodyPr wrap="square" rtlCol="0">
-            <a:spAutoFit/>
-          </a:bodyPr>
-          <a:lstStyle/>
-          <a:p>
-            <a:r>
-              <a:rPr kumimoji="1" lang="ja-JP" altLang="en-US" dirty="0"/>
-              <a:t>パルス幅を決める要因</a:t>
-            </a:r>
-            <a:endParaRPr kumimoji="1" lang="en-US" altLang="ja-JP" dirty="0"/>
-          </a:p>
-          <a:p>
-            <a:pPr marL="285750" indent="-285750">
-              <a:buFont typeface="Wingdings" panose="05000000000000000000" pitchFamily="2" charset="2"/>
-              <a:buChar char="ü"/>
-            </a:pPr>
+          <a:bodyPr/>
+          <a:lstStyle/>
+          <a:p>
             <a:r>
               <a:rPr lang="ja-JP" altLang="en-US" dirty="0"/>
-              <a:t>利得の大きさ</a:t>
-            </a:r>
-            <a:endParaRPr lang="en-US" altLang="ja-JP" dirty="0"/>
-          </a:p>
-          <a:p>
-            <a:pPr marL="285750" indent="-285750">
-              <a:buFont typeface="Wingdings" panose="05000000000000000000" pitchFamily="2" charset="2"/>
-              <a:buChar char="ü"/>
-            </a:pPr>
-            <a:r>
-              <a:rPr kumimoji="1" lang="ja-JP" altLang="en-US" dirty="0"/>
-              <a:t>共振器寿命</a:t>
-            </a:r>
+              <a:t>背景　利得スイッチング</a:t>
+            </a:r>
+            <a:endParaRPr kumimoji="1" lang="ja-JP" altLang="en-US" dirty="0"/>
           </a:p>
         </p:txBody>
       </p:sp>
